--- a/Employee_Data_Analysis_2 (6) ppt.pptx Gopalakrishnan. s.pptx
+++ b/Employee_Data_Analysis_2 (6) ppt.pptx Gopalakrishnan. s.pptx
@@ -5050,7 +5050,7 @@
             </a:r>
             <a:r>
               <a:rPr lang="en-IN" sz="2400" dirty="0"/>
-              <a:t>41</a:t>
+              <a:t>25</a:t>
             </a:r>
             <a:endParaRPr lang="en-US" sz="2400" dirty="0"/>
           </a:p>
